--- a/修論/本文/figure/fig_2_1_ridge.pptx
+++ b/修論/本文/figure/fig_2_1_ridge.pptx
@@ -227,7 +227,7 @@
           <a:p>
             <a:fld id="{78E677E7-82C9-4938-9480-49B5B41335B9}" type="datetimeFigureOut">
               <a:rPr kumimoji="1" lang="ja-JP" altLang="en-US" smtClean="0"/>
-              <a:t>2018/12/15</a:t>
+              <a:t>2018/12/22</a:t>
             </a:fld>
             <a:endParaRPr kumimoji="1" lang="ja-JP" altLang="en-US"/>
           </a:p>
@@ -404,7 +404,7 @@
           <a:p>
             <a:fld id="{3446E738-F900-9D48-A133-DAC01D1B4E24}" type="datetimeFigureOut">
               <a:rPr kumimoji="1" lang="ja-JP" altLang="en-US" smtClean="0"/>
-              <a:t>2018/12/15</a:t>
+              <a:t>2018/12/22</a:t>
             </a:fld>
             <a:endParaRPr kumimoji="1" lang="ja-JP" altLang="en-US"/>
           </a:p>
@@ -959,7 +959,7 @@
           <a:p>
             <a:fld id="{10720FFB-8FD2-0244-8340-A53A1D78DF51}" type="datetime1">
               <a:rPr kumimoji="1" lang="ja-JP" altLang="en-US" smtClean="0"/>
-              <a:t>2018/12/15</a:t>
+              <a:t>2018/12/22</a:t>
             </a:fld>
             <a:endParaRPr kumimoji="1" lang="ja-JP" altLang="en-US"/>
           </a:p>
@@ -1168,7 +1168,7 @@
           <a:p>
             <a:fld id="{CE9D822C-DFC2-9543-907C-72EEC755F3F7}" type="datetime1">
               <a:rPr kumimoji="1" lang="ja-JP" altLang="en-US" smtClean="0"/>
-              <a:t>2018/12/15</a:t>
+              <a:t>2018/12/22</a:t>
             </a:fld>
             <a:endParaRPr kumimoji="1" lang="ja-JP" altLang="en-US"/>
           </a:p>
@@ -1387,7 +1387,7 @@
           <a:p>
             <a:fld id="{C1282F87-C729-5D48-A48C-1DB9AA85DB81}" type="datetime1">
               <a:rPr kumimoji="1" lang="ja-JP" altLang="en-US" smtClean="0"/>
-              <a:t>2018/12/15</a:t>
+              <a:t>2018/12/22</a:t>
             </a:fld>
             <a:endParaRPr kumimoji="1" lang="ja-JP" altLang="en-US"/>
           </a:p>
@@ -1596,7 +1596,7 @@
           <a:p>
             <a:fld id="{89A47EE3-A654-A443-B744-676F7DFE59F9}" type="datetime1">
               <a:rPr kumimoji="1" lang="ja-JP" altLang="en-US" smtClean="0"/>
-              <a:t>2018/12/15</a:t>
+              <a:t>2018/12/22</a:t>
             </a:fld>
             <a:endParaRPr kumimoji="1" lang="ja-JP" altLang="en-US"/>
           </a:p>
@@ -1926,7 +1926,7 @@
           <a:p>
             <a:fld id="{F2FBEC7A-1A8D-3D4F-B579-5908030A237A}" type="datetime1">
               <a:rPr kumimoji="1" lang="ja-JP" altLang="en-US" smtClean="0"/>
-              <a:t>2018/12/15</a:t>
+              <a:t>2018/12/22</a:t>
             </a:fld>
             <a:endParaRPr kumimoji="1" lang="ja-JP" altLang="en-US"/>
           </a:p>
@@ -2209,7 +2209,7 @@
           <a:p>
             <a:fld id="{6F8B8875-4412-2045-A219-43F832D95989}" type="datetime1">
               <a:rPr kumimoji="1" lang="ja-JP" altLang="en-US" smtClean="0"/>
-              <a:t>2018/12/15</a:t>
+              <a:t>2018/12/22</a:t>
             </a:fld>
             <a:endParaRPr kumimoji="1" lang="ja-JP" altLang="en-US"/>
           </a:p>
@@ -2709,7 +2709,7 @@
           <a:p>
             <a:fld id="{9759EF83-A7E8-ED4E-BE3B-B04F4CD47BBB}" type="datetime1">
               <a:rPr kumimoji="1" lang="ja-JP" altLang="en-US" smtClean="0"/>
-              <a:t>2018/12/15</a:t>
+              <a:t>2018/12/22</a:t>
             </a:fld>
             <a:endParaRPr kumimoji="1" lang="ja-JP" altLang="en-US"/>
           </a:p>
@@ -2854,7 +2854,7 @@
           <a:p>
             <a:fld id="{A39236DB-587D-5F41-B6B0-8726D9E83BFC}" type="datetime1">
               <a:rPr kumimoji="1" lang="ja-JP" altLang="en-US" smtClean="0"/>
-              <a:t>2018/12/15</a:t>
+              <a:t>2018/12/22</a:t>
             </a:fld>
             <a:endParaRPr kumimoji="1" lang="ja-JP" altLang="en-US"/>
           </a:p>
@@ -2971,7 +2971,7 @@
           <a:p>
             <a:fld id="{C55BB37D-AE48-DD40-8537-3AADCD4AD14E}" type="datetime1">
               <a:rPr kumimoji="1" lang="ja-JP" altLang="en-US" smtClean="0"/>
-              <a:t>2018/12/15</a:t>
+              <a:t>2018/12/22</a:t>
             </a:fld>
             <a:endParaRPr kumimoji="1" lang="ja-JP" altLang="en-US"/>
           </a:p>
@@ -3328,7 +3328,7 @@
           <a:p>
             <a:fld id="{044A9A96-A761-E544-A252-16B574CAA06A}" type="datetime1">
               <a:rPr kumimoji="1" lang="ja-JP" altLang="en-US" smtClean="0"/>
-              <a:t>2018/12/15</a:t>
+              <a:t>2018/12/22</a:t>
             </a:fld>
             <a:endParaRPr kumimoji="1" lang="ja-JP" altLang="en-US"/>
           </a:p>
@@ -3655,7 +3655,7 @@
           <a:p>
             <a:fld id="{3BF67472-26F2-1445-9318-605606D5DD2C}" type="datetime1">
               <a:rPr kumimoji="1" lang="ja-JP" altLang="en-US" smtClean="0"/>
-              <a:t>2018/12/15</a:t>
+              <a:t>2018/12/22</a:t>
             </a:fld>
             <a:endParaRPr kumimoji="1" lang="ja-JP" altLang="en-US"/>
           </a:p>
@@ -3907,7 +3907,7 @@
           <a:p>
             <a:fld id="{1C3C70B0-0559-0F4F-8048-C5720087C2AE}" type="datetime1">
               <a:rPr kumimoji="1" lang="ja-JP" altLang="en-US" smtClean="0"/>
-              <a:t>2018/12/15</a:t>
+              <a:t>2018/12/22</a:t>
             </a:fld>
             <a:endParaRPr kumimoji="1" lang="ja-JP" altLang="en-US"/>
           </a:p>
@@ -9027,6 +9027,276 @@
           </p:style>
         </p:cxnSp>
       </p:grpSp>
+      <p:grpSp>
+        <p:nvGrpSpPr>
+          <p:cNvPr id="26" name="グループ化 25">
+            <a:extLst>
+              <a:ext uri="{FF2B5EF4-FFF2-40B4-BE49-F238E27FC236}">
+                <a16:creationId xmlns:a16="http://schemas.microsoft.com/office/drawing/2014/main" id="{865C617E-6354-7641-B955-C323CDEBC018}"/>
+              </a:ext>
+            </a:extLst>
+          </p:cNvPr>
+          <p:cNvGrpSpPr/>
+          <p:nvPr/>
+        </p:nvGrpSpPr>
+        <p:grpSpPr>
+          <a:xfrm>
+            <a:off x="2425754" y="2560455"/>
+            <a:ext cx="766056" cy="1045281"/>
+            <a:chOff x="905352" y="1774234"/>
+            <a:chExt cx="766056" cy="1045281"/>
+          </a:xfrm>
+        </p:grpSpPr>
+        <p:cxnSp>
+          <p:nvCxnSpPr>
+            <p:cNvPr id="27" name="直線矢印コネクタ 26">
+              <a:extLst>
+                <a:ext uri="{FF2B5EF4-FFF2-40B4-BE49-F238E27FC236}">
+                  <a16:creationId xmlns:a16="http://schemas.microsoft.com/office/drawing/2014/main" id="{E9C89FAD-878C-054D-A88B-47B5F0E98564}"/>
+                </a:ext>
+              </a:extLst>
+            </p:cNvPr>
+            <p:cNvCxnSpPr>
+              <a:cxnSpLocks/>
+            </p:cNvCxnSpPr>
+            <p:nvPr/>
+          </p:nvCxnSpPr>
+          <p:spPr>
+            <a:xfrm flipV="1">
+              <a:off x="1547664" y="1988840"/>
+              <a:ext cx="0" cy="401462"/>
+            </a:xfrm>
+            <a:prstGeom prst="straightConnector1">
+              <a:avLst/>
+            </a:prstGeom>
+            <a:ln>
+              <a:tailEnd type="triangle"/>
+            </a:ln>
+          </p:spPr>
+          <p:style>
+            <a:lnRef idx="1">
+              <a:schemeClr val="accent1"/>
+            </a:lnRef>
+            <a:fillRef idx="0">
+              <a:schemeClr val="accent1"/>
+            </a:fillRef>
+            <a:effectRef idx="0">
+              <a:schemeClr val="accent1"/>
+            </a:effectRef>
+            <a:fontRef idx="minor">
+              <a:schemeClr val="tx1"/>
+            </a:fontRef>
+          </p:style>
+        </p:cxnSp>
+        <p:cxnSp>
+          <p:nvCxnSpPr>
+            <p:cNvPr id="28" name="直線矢印コネクタ 27">
+              <a:extLst>
+                <a:ext uri="{FF2B5EF4-FFF2-40B4-BE49-F238E27FC236}">
+                  <a16:creationId xmlns:a16="http://schemas.microsoft.com/office/drawing/2014/main" id="{3DB73CE5-13E2-D54E-8A6D-92E9626D91C7}"/>
+                </a:ext>
+              </a:extLst>
+            </p:cNvPr>
+            <p:cNvCxnSpPr>
+              <a:cxnSpLocks/>
+            </p:cNvCxnSpPr>
+            <p:nvPr/>
+          </p:nvCxnSpPr>
+          <p:spPr>
+            <a:xfrm flipH="1">
+              <a:off x="1366070" y="2403104"/>
+              <a:ext cx="178950" cy="178045"/>
+            </a:xfrm>
+            <a:prstGeom prst="straightConnector1">
+              <a:avLst/>
+            </a:prstGeom>
+            <a:ln>
+              <a:tailEnd type="triangle"/>
+            </a:ln>
+          </p:spPr>
+          <p:style>
+            <a:lnRef idx="1">
+              <a:schemeClr val="accent1"/>
+            </a:lnRef>
+            <a:fillRef idx="0">
+              <a:schemeClr val="accent1"/>
+            </a:fillRef>
+            <a:effectRef idx="0">
+              <a:schemeClr val="accent1"/>
+            </a:effectRef>
+            <a:fontRef idx="minor">
+              <a:schemeClr val="tx1"/>
+            </a:fontRef>
+          </p:style>
+        </p:cxnSp>
+        <p:cxnSp>
+          <p:nvCxnSpPr>
+            <p:cNvPr id="29" name="直線矢印コネクタ 28">
+              <a:extLst>
+                <a:ext uri="{FF2B5EF4-FFF2-40B4-BE49-F238E27FC236}">
+                  <a16:creationId xmlns:a16="http://schemas.microsoft.com/office/drawing/2014/main" id="{94E21562-3156-BA45-A0C2-2DCD7DDE5037}"/>
+                </a:ext>
+              </a:extLst>
+            </p:cNvPr>
+            <p:cNvCxnSpPr>
+              <a:cxnSpLocks/>
+            </p:cNvCxnSpPr>
+            <p:nvPr/>
+          </p:nvCxnSpPr>
+          <p:spPr>
+            <a:xfrm flipH="1">
+              <a:off x="1110328" y="2401709"/>
+              <a:ext cx="434692" cy="0"/>
+            </a:xfrm>
+            <a:prstGeom prst="straightConnector1">
+              <a:avLst/>
+            </a:prstGeom>
+            <a:ln>
+              <a:tailEnd type="triangle"/>
+            </a:ln>
+          </p:spPr>
+          <p:style>
+            <a:lnRef idx="1">
+              <a:schemeClr val="accent1"/>
+            </a:lnRef>
+            <a:fillRef idx="0">
+              <a:schemeClr val="accent1"/>
+            </a:fillRef>
+            <a:effectRef idx="0">
+              <a:schemeClr val="accent1"/>
+            </a:effectRef>
+            <a:fontRef idx="minor">
+              <a:schemeClr val="tx1"/>
+            </a:fontRef>
+          </p:style>
+        </p:cxnSp>
+        <p:sp>
+          <p:nvSpPr>
+            <p:cNvPr id="30" name="テキスト ボックス 29">
+              <a:extLst>
+                <a:ext uri="{FF2B5EF4-FFF2-40B4-BE49-F238E27FC236}">
+                  <a16:creationId xmlns:a16="http://schemas.microsoft.com/office/drawing/2014/main" id="{6680DA68-16E8-7A4D-9EB7-E376749A2DB2}"/>
+                </a:ext>
+              </a:extLst>
+            </p:cNvPr>
+            <p:cNvSpPr txBox="1"/>
+            <p:nvPr/>
+          </p:nvSpPr>
+          <p:spPr>
+            <a:xfrm>
+              <a:off x="905352" y="2286475"/>
+              <a:ext cx="362684" cy="369332"/>
+            </a:xfrm>
+            <a:prstGeom prst="rect">
+              <a:avLst/>
+            </a:prstGeom>
+            <a:noFill/>
+          </p:spPr>
+          <p:txBody>
+            <a:bodyPr wrap="square" rtlCol="0">
+              <a:spAutoFit/>
+            </a:bodyPr>
+            <a:lstStyle/>
+            <a:p>
+              <a:r>
+                <a:rPr kumimoji="1" lang="en-US" altLang="ja-JP" dirty="0">
+                  <a:latin typeface="Arial" panose="020B0604020202020204" pitchFamily="34" charset="0"/>
+                  <a:cs typeface="Arial" panose="020B0604020202020204" pitchFamily="34" charset="0"/>
+                </a:rPr>
+                <a:t>x</a:t>
+              </a:r>
+              <a:endParaRPr kumimoji="1" lang="ja-JP" altLang="en-US">
+                <a:latin typeface="Arial" panose="020B0604020202020204" pitchFamily="34" charset="0"/>
+                <a:cs typeface="Arial" panose="020B0604020202020204" pitchFamily="34" charset="0"/>
+              </a:endParaRPr>
+            </a:p>
+          </p:txBody>
+        </p:sp>
+        <p:sp>
+          <p:nvSpPr>
+            <p:cNvPr id="31" name="テキスト ボックス 30">
+              <a:extLst>
+                <a:ext uri="{FF2B5EF4-FFF2-40B4-BE49-F238E27FC236}">
+                  <a16:creationId xmlns:a16="http://schemas.microsoft.com/office/drawing/2014/main" id="{0453E706-95B5-4B42-8EA1-492BEA19AB9E}"/>
+                </a:ext>
+              </a:extLst>
+            </p:cNvPr>
+            <p:cNvSpPr txBox="1"/>
+            <p:nvPr/>
+          </p:nvSpPr>
+          <p:spPr>
+            <a:xfrm>
+              <a:off x="1308724" y="1774234"/>
+              <a:ext cx="362684" cy="369332"/>
+            </a:xfrm>
+            <a:prstGeom prst="rect">
+              <a:avLst/>
+            </a:prstGeom>
+            <a:noFill/>
+          </p:spPr>
+          <p:txBody>
+            <a:bodyPr wrap="square" rtlCol="0">
+              <a:spAutoFit/>
+            </a:bodyPr>
+            <a:lstStyle/>
+            <a:p>
+              <a:r>
+                <a:rPr lang="en-US" altLang="ja-JP" dirty="0">
+                  <a:latin typeface="Arial" panose="020B0604020202020204" pitchFamily="34" charset="0"/>
+                  <a:cs typeface="Arial" panose="020B0604020202020204" pitchFamily="34" charset="0"/>
+                </a:rPr>
+                <a:t>y</a:t>
+              </a:r>
+              <a:endParaRPr kumimoji="1" lang="ja-JP" altLang="en-US">
+                <a:latin typeface="Arial" panose="020B0604020202020204" pitchFamily="34" charset="0"/>
+                <a:cs typeface="Arial" panose="020B0604020202020204" pitchFamily="34" charset="0"/>
+              </a:endParaRPr>
+            </a:p>
+          </p:txBody>
+        </p:sp>
+        <p:sp>
+          <p:nvSpPr>
+            <p:cNvPr id="32" name="テキスト ボックス 31">
+              <a:extLst>
+                <a:ext uri="{FF2B5EF4-FFF2-40B4-BE49-F238E27FC236}">
+                  <a16:creationId xmlns:a16="http://schemas.microsoft.com/office/drawing/2014/main" id="{EDB0EC41-C72D-0041-A0E9-1ED426AEBD2D}"/>
+                </a:ext>
+              </a:extLst>
+            </p:cNvPr>
+            <p:cNvSpPr txBox="1"/>
+            <p:nvPr/>
+          </p:nvSpPr>
+          <p:spPr>
+            <a:xfrm>
+              <a:off x="1308724" y="2450183"/>
+              <a:ext cx="362684" cy="369332"/>
+            </a:xfrm>
+            <a:prstGeom prst="rect">
+              <a:avLst/>
+            </a:prstGeom>
+            <a:noFill/>
+          </p:spPr>
+          <p:txBody>
+            <a:bodyPr wrap="square" rtlCol="0">
+              <a:spAutoFit/>
+            </a:bodyPr>
+            <a:lstStyle/>
+            <a:p>
+              <a:r>
+                <a:rPr lang="en-US" altLang="ja-JP" dirty="0">
+                  <a:latin typeface="Arial" panose="020B0604020202020204" pitchFamily="34" charset="0"/>
+                  <a:cs typeface="Arial" panose="020B0604020202020204" pitchFamily="34" charset="0"/>
+                </a:rPr>
+                <a:t>z</a:t>
+              </a:r>
+              <a:endParaRPr kumimoji="1" lang="ja-JP" altLang="en-US">
+                <a:latin typeface="Arial" panose="020B0604020202020204" pitchFamily="34" charset="0"/>
+                <a:cs typeface="Arial" panose="020B0604020202020204" pitchFamily="34" charset="0"/>
+              </a:endParaRPr>
+            </a:p>
+          </p:txBody>
+        </p:sp>
+      </p:grpSp>
     </p:spTree>
     <p:extLst>
       <p:ext uri="{BB962C8B-B14F-4D97-AF65-F5344CB8AC3E}">

--- a/修論/本文/figure/fig_2_1_ridge.pptx
+++ b/修論/本文/figure/fig_2_1_ridge.pptx
@@ -227,7 +227,7 @@
           <a:p>
             <a:fld id="{78E677E7-82C9-4938-9480-49B5B41335B9}" type="datetimeFigureOut">
               <a:rPr kumimoji="1" lang="ja-JP" altLang="en-US" smtClean="0"/>
-              <a:t>2018/12/22</a:t>
+              <a:t>2018/12/28</a:t>
             </a:fld>
             <a:endParaRPr kumimoji="1" lang="ja-JP" altLang="en-US"/>
           </a:p>
@@ -404,7 +404,7 @@
           <a:p>
             <a:fld id="{3446E738-F900-9D48-A133-DAC01D1B4E24}" type="datetimeFigureOut">
               <a:rPr kumimoji="1" lang="ja-JP" altLang="en-US" smtClean="0"/>
-              <a:t>2018/12/22</a:t>
+              <a:t>2018/12/28</a:t>
             </a:fld>
             <a:endParaRPr kumimoji="1" lang="ja-JP" altLang="en-US"/>
           </a:p>
@@ -959,7 +959,7 @@
           <a:p>
             <a:fld id="{10720FFB-8FD2-0244-8340-A53A1D78DF51}" type="datetime1">
               <a:rPr kumimoji="1" lang="ja-JP" altLang="en-US" smtClean="0"/>
-              <a:t>2018/12/22</a:t>
+              <a:t>2018/12/28</a:t>
             </a:fld>
             <a:endParaRPr kumimoji="1" lang="ja-JP" altLang="en-US"/>
           </a:p>
@@ -1168,7 +1168,7 @@
           <a:p>
             <a:fld id="{CE9D822C-DFC2-9543-907C-72EEC755F3F7}" type="datetime1">
               <a:rPr kumimoji="1" lang="ja-JP" altLang="en-US" smtClean="0"/>
-              <a:t>2018/12/22</a:t>
+              <a:t>2018/12/28</a:t>
             </a:fld>
             <a:endParaRPr kumimoji="1" lang="ja-JP" altLang="en-US"/>
           </a:p>
@@ -1387,7 +1387,7 @@
           <a:p>
             <a:fld id="{C1282F87-C729-5D48-A48C-1DB9AA85DB81}" type="datetime1">
               <a:rPr kumimoji="1" lang="ja-JP" altLang="en-US" smtClean="0"/>
-              <a:t>2018/12/22</a:t>
+              <a:t>2018/12/28</a:t>
             </a:fld>
             <a:endParaRPr kumimoji="1" lang="ja-JP" altLang="en-US"/>
           </a:p>
@@ -1596,7 +1596,7 @@
           <a:p>
             <a:fld id="{89A47EE3-A654-A443-B744-676F7DFE59F9}" type="datetime1">
               <a:rPr kumimoji="1" lang="ja-JP" altLang="en-US" smtClean="0"/>
-              <a:t>2018/12/22</a:t>
+              <a:t>2018/12/28</a:t>
             </a:fld>
             <a:endParaRPr kumimoji="1" lang="ja-JP" altLang="en-US"/>
           </a:p>
@@ -1926,7 +1926,7 @@
           <a:p>
             <a:fld id="{F2FBEC7A-1A8D-3D4F-B579-5908030A237A}" type="datetime1">
               <a:rPr kumimoji="1" lang="ja-JP" altLang="en-US" smtClean="0"/>
-              <a:t>2018/12/22</a:t>
+              <a:t>2018/12/28</a:t>
             </a:fld>
             <a:endParaRPr kumimoji="1" lang="ja-JP" altLang="en-US"/>
           </a:p>
@@ -2209,7 +2209,7 @@
           <a:p>
             <a:fld id="{6F8B8875-4412-2045-A219-43F832D95989}" type="datetime1">
               <a:rPr kumimoji="1" lang="ja-JP" altLang="en-US" smtClean="0"/>
-              <a:t>2018/12/22</a:t>
+              <a:t>2018/12/28</a:t>
             </a:fld>
             <a:endParaRPr kumimoji="1" lang="ja-JP" altLang="en-US"/>
           </a:p>
@@ -2709,7 +2709,7 @@
           <a:p>
             <a:fld id="{9759EF83-A7E8-ED4E-BE3B-B04F4CD47BBB}" type="datetime1">
               <a:rPr kumimoji="1" lang="ja-JP" altLang="en-US" smtClean="0"/>
-              <a:t>2018/12/22</a:t>
+              <a:t>2018/12/28</a:t>
             </a:fld>
             <a:endParaRPr kumimoji="1" lang="ja-JP" altLang="en-US"/>
           </a:p>
@@ -2854,7 +2854,7 @@
           <a:p>
             <a:fld id="{A39236DB-587D-5F41-B6B0-8726D9E83BFC}" type="datetime1">
               <a:rPr kumimoji="1" lang="ja-JP" altLang="en-US" smtClean="0"/>
-              <a:t>2018/12/22</a:t>
+              <a:t>2018/12/28</a:t>
             </a:fld>
             <a:endParaRPr kumimoji="1" lang="ja-JP" altLang="en-US"/>
           </a:p>
@@ -2971,7 +2971,7 @@
           <a:p>
             <a:fld id="{C55BB37D-AE48-DD40-8537-3AADCD4AD14E}" type="datetime1">
               <a:rPr kumimoji="1" lang="ja-JP" altLang="en-US" smtClean="0"/>
-              <a:t>2018/12/22</a:t>
+              <a:t>2018/12/28</a:t>
             </a:fld>
             <a:endParaRPr kumimoji="1" lang="ja-JP" altLang="en-US"/>
           </a:p>
@@ -3328,7 +3328,7 @@
           <a:p>
             <a:fld id="{044A9A96-A761-E544-A252-16B574CAA06A}" type="datetime1">
               <a:rPr kumimoji="1" lang="ja-JP" altLang="en-US" smtClean="0"/>
-              <a:t>2018/12/22</a:t>
+              <a:t>2018/12/28</a:t>
             </a:fld>
             <a:endParaRPr kumimoji="1" lang="ja-JP" altLang="en-US"/>
           </a:p>
@@ -3655,7 +3655,7 @@
           <a:p>
             <a:fld id="{3BF67472-26F2-1445-9318-605606D5DD2C}" type="datetime1">
               <a:rPr kumimoji="1" lang="ja-JP" altLang="en-US" smtClean="0"/>
-              <a:t>2018/12/22</a:t>
+              <a:t>2018/12/28</a:t>
             </a:fld>
             <a:endParaRPr kumimoji="1" lang="ja-JP" altLang="en-US"/>
           </a:p>
@@ -3907,7 +3907,7 @@
           <a:p>
             <a:fld id="{1C3C70B0-0559-0F4F-8048-C5720087C2AE}" type="datetime1">
               <a:rPr kumimoji="1" lang="ja-JP" altLang="en-US" smtClean="0"/>
-              <a:t>2018/12/22</a:t>
+              <a:t>2018/12/28</a:t>
             </a:fld>
             <a:endParaRPr kumimoji="1" lang="ja-JP" altLang="en-US"/>
           </a:p>
@@ -9041,10 +9041,10 @@
         </p:nvGrpSpPr>
         <p:grpSpPr>
           <a:xfrm>
-            <a:off x="2425754" y="2560455"/>
-            <a:ext cx="766056" cy="1045281"/>
-            <a:chOff x="905352" y="1774234"/>
-            <a:chExt cx="766056" cy="1045281"/>
+            <a:off x="2692712" y="2560455"/>
+            <a:ext cx="945604" cy="1053211"/>
+            <a:chOff x="1172310" y="1774234"/>
+            <a:chExt cx="945604" cy="1053211"/>
           </a:xfrm>
         </p:grpSpPr>
         <p:cxnSp>
@@ -9144,8 +9144,8 @@
             <p:nvPr/>
           </p:nvCxnSpPr>
           <p:spPr>
-            <a:xfrm flipH="1">
-              <a:off x="1110328" y="2401709"/>
+            <a:xfrm>
+              <a:off x="1545020" y="2403043"/>
               <a:ext cx="434692" cy="0"/>
             </a:xfrm>
             <a:prstGeom prst="straightConnector1">
@@ -9184,7 +9184,7 @@
           </p:nvSpPr>
           <p:spPr>
             <a:xfrm>
-              <a:off x="905352" y="2286475"/>
+              <a:off x="1755230" y="2338957"/>
               <a:ext cx="362684" cy="369332"/>
             </a:xfrm>
             <a:prstGeom prst="rect">
@@ -9268,7 +9268,7 @@
           </p:nvSpPr>
           <p:spPr>
             <a:xfrm>
-              <a:off x="1308724" y="2450183"/>
+              <a:off x="1172310" y="2458113"/>
               <a:ext cx="362684" cy="369332"/>
             </a:xfrm>
             <a:prstGeom prst="rect">
